--- a/Titan Probe - presentation.pptx
+++ b/Titan Probe - presentation.pptx
@@ -7,9 +7,11 @@
   <p:sldIdLst>
     <p:sldId id="256" r:id="rId2"/>
     <p:sldId id="257" r:id="rId3"/>
-    <p:sldId id="258" r:id="rId4"/>
-    <p:sldId id="259" r:id="rId5"/>
-    <p:sldId id="260" r:id="rId6"/>
+    <p:sldId id="261" r:id="rId4"/>
+    <p:sldId id="262" r:id="rId5"/>
+    <p:sldId id="258" r:id="rId6"/>
+    <p:sldId id="259" r:id="rId7"/>
+    <p:sldId id="260" r:id="rId8"/>
   </p:sldIdLst>
   <p:sldSz cx="12192000" cy="6858000"/>
   <p:notesSz cx="6858000" cy="9144000"/>
@@ -108,6 +110,11 @@
       </a:defRPr>
     </a:lvl9pPr>
   </p:defaultTextStyle>
+  <p:extLst>
+    <p:ext uri="{EFAFB233-063F-42B5-8137-9DF3F51BA10A}">
+      <p15:sldGuideLst xmlns:p15="http://schemas.microsoft.com/office/powerpoint/2012/main"/>
+    </p:ext>
+  </p:extLst>
 </p:presentation>
 </file>
 
@@ -3682,7 +3689,12 @@
             <p:ph idx="1"/>
           </p:nvPr>
         </p:nvSpPr>
-        <p:spPr/>
+        <p:spPr>
+          <a:xfrm>
+            <a:off x="838200" y="1253331"/>
+            <a:ext cx="11757660" cy="4351338"/>
+          </a:xfrm>
+        </p:spPr>
         <p:txBody>
           <a:bodyPr>
             <a:normAutofit/>
@@ -3704,20 +3716,24 @@
               </a:lnSpc>
             </a:pPr>
             <a:r>
-              <a:rPr lang="pl-PL" dirty="0" err="1"/>
+              <a:rPr lang="pl-PL" b="1" dirty="0" err="1"/>
               <a:t>Celestial</a:t>
             </a:r>
             <a:r>
+              <a:rPr lang="pl-PL" b="1" dirty="0"/>
+              <a:t> </a:t>
+            </a:r>
+            <a:r>
+              <a:rPr lang="pl-PL" b="1" dirty="0" err="1"/>
+              <a:t>bodies</a:t>
+            </a:r>
+            <a:r>
+              <a:rPr lang="pl-PL" b="1" dirty="0"/>
+              <a:t> -</a:t>
+            </a:r>
+            <a:r>
               <a:rPr lang="pl-PL" dirty="0"/>
-              <a:t> </a:t>
-            </a:r>
-            <a:r>
-              <a:rPr lang="pl-PL" dirty="0" err="1"/>
-              <a:t>bodies</a:t>
-            </a:r>
-            <a:r>
-              <a:rPr lang="pl-PL" dirty="0"/>
-              <a:t>: Sun, </a:t>
+              <a:t> Sun, </a:t>
             </a:r>
             <a:r>
               <a:rPr lang="pl-PL" dirty="0" err="1"/>
@@ -3733,13 +3749,21 @@
             </a:r>
             <a:r>
               <a:rPr lang="pl-PL" dirty="0"/>
-              <a:t>, Earth, Mars, Jupiter, Saturn, Uran, Neptun, </a:t>
-            </a:r>
-            <a:r>
-              <a:rPr lang="pl-PL" dirty="0" err="1"/>
+              <a:t>, </a:t>
+            </a:r>
+            <a:r>
+              <a:rPr lang="pl-PL" b="1" dirty="0"/>
+              <a:t>Earth</a:t>
+            </a:r>
+            <a:r>
+              <a:rPr lang="pl-PL" dirty="0"/>
+              <a:t>, Mars, Jupiter, Saturn, Uran, Neptun, </a:t>
+            </a:r>
+            <a:r>
+              <a:rPr lang="pl-PL" b="1" dirty="0" err="1"/>
               <a:t>Titan</a:t>
             </a:r>
-            <a:endParaRPr lang="pl-PL" dirty="0"/>
+            <a:endParaRPr lang="pl-PL" b="1" dirty="0"/>
           </a:p>
           <a:p>
             <a:pPr>
@@ -3748,8 +3772,24 @@
               </a:lnSpc>
             </a:pPr>
             <a:r>
+              <a:rPr lang="pl-PL" b="1" dirty="0" err="1"/>
+              <a:t>Physics</a:t>
+            </a:r>
+            <a:r>
+              <a:rPr lang="pl-PL" b="1" dirty="0"/>
+              <a:t> </a:t>
+            </a:r>
+            <a:r>
+              <a:rPr lang="pl-PL" b="1" dirty="0" err="1"/>
+              <a:t>engine</a:t>
+            </a:r>
+            <a:r>
+              <a:rPr lang="pl-PL" b="1" dirty="0"/>
+              <a:t> - </a:t>
+            </a:r>
+            <a:r>
               <a:rPr lang="pl-PL" dirty="0" err="1"/>
-              <a:t>Physics</a:t>
+              <a:t>gravitational</a:t>
             </a:r>
             <a:r>
               <a:rPr lang="pl-PL" dirty="0"/>
@@ -3757,15 +3797,23 @@
             </a:r>
             <a:r>
               <a:rPr lang="pl-PL" dirty="0" err="1"/>
-              <a:t>engine</a:t>
+              <a:t>force</a:t>
             </a:r>
             <a:r>
               <a:rPr lang="pl-PL" dirty="0"/>
-              <a:t> (</a:t>
+              <a:t>, </a:t>
             </a:r>
             <a:r>
               <a:rPr lang="pl-PL" dirty="0" err="1"/>
-              <a:t>gravitational</a:t>
+              <a:t>acceleration</a:t>
+            </a:r>
+            <a:r>
+              <a:rPr lang="pl-PL" dirty="0"/>
+              <a:t> and </a:t>
+            </a:r>
+            <a:r>
+              <a:rPr lang="pl-PL" dirty="0" err="1"/>
+              <a:t>velocity</a:t>
             </a:r>
             <a:r>
               <a:rPr lang="pl-PL" dirty="0"/>
@@ -3773,11 +3821,7 @@
             </a:r>
             <a:r>
               <a:rPr lang="pl-PL" dirty="0" err="1"/>
-              <a:t>force</a:t>
-            </a:r>
-            <a:r>
-              <a:rPr lang="pl-PL" dirty="0"/>
-              <a:t>)</a:t>
+              <a:t>updates</a:t>
             </a:r>
             <a:endParaRPr lang="pl-PL" sz="2000" dirty="0"/>
           </a:p>
@@ -3818,7 +3862,7 @@
           <p:cNvPr id="2" name="Title 1">
             <a:extLst>
               <a:ext uri="{FF2B5EF4-FFF2-40B4-BE49-F238E27FC236}">
-                <a16:creationId xmlns:a16="http://schemas.microsoft.com/office/drawing/2014/main" id="{9457AA1A-FB42-8749-81CC-49787DD04F55}"/>
+                <a16:creationId xmlns:a16="http://schemas.microsoft.com/office/drawing/2014/main" id="{9B48EB15-20C4-2947-ACA1-D549F0A51FD6}"/>
               </a:ext>
             </a:extLst>
           </p:cNvPr>
@@ -3836,14 +3880,13 @@
           <a:p>
             <a:pPr algn="ctr"/>
             <a:r>
+              <a:rPr lang="pl-PL" b="1" dirty="0" err="1"/>
+              <a:t>Celestial</a:t>
+            </a:r>
+            <a:r>
               <a:rPr lang="pl-PL" b="1" dirty="0"/>
-              <a:t>Solar system model - </a:t>
-            </a:r>
-            <a:r>
-              <a:rPr lang="pl-PL" b="1" dirty="0" err="1"/>
-              <a:t>features</a:t>
-            </a:r>
-            <a:endParaRPr lang="pl-PL" dirty="0"/>
+              <a:t> Body</a:t>
+            </a:r>
           </a:p>
         </p:txBody>
       </p:sp>
@@ -3852,7 +3895,7 @@
           <p:cNvPr id="3" name="Content Placeholder 2">
             <a:extLst>
               <a:ext uri="{FF2B5EF4-FFF2-40B4-BE49-F238E27FC236}">
-                <a16:creationId xmlns:a16="http://schemas.microsoft.com/office/drawing/2014/main" id="{5C348B46-2637-834D-9CDA-239BF19391B0}"/>
+                <a16:creationId xmlns:a16="http://schemas.microsoft.com/office/drawing/2014/main" id="{5EC309D5-D3D9-CE4F-B994-73B7653720A5}"/>
               </a:ext>
             </a:extLst>
           </p:cNvPr>
@@ -3870,204 +3913,126 @@
           </a:bodyPr>
           <a:lstStyle/>
           <a:p>
-            <a:pPr>
-              <a:lnSpc>
-                <a:spcPct val="150000"/>
-              </a:lnSpc>
+            <a:pPr marL="0" indent="0">
+              <a:buNone/>
             </a:pPr>
             <a:r>
-              <a:rPr lang="pl-PL" sz="2400" dirty="0" err="1"/>
-              <a:t>Cartesian</a:t>
-            </a:r>
-            <a:r>
-              <a:rPr lang="pl-PL" sz="2400" dirty="0"/>
+              <a:rPr lang="pl-PL" dirty="0" err="1"/>
+              <a:t>Each</a:t>
+            </a:r>
+            <a:r>
+              <a:rPr lang="pl-PL" dirty="0"/>
               <a:t> </a:t>
             </a:r>
             <a:r>
-              <a:rPr lang="pl-PL" sz="2400" dirty="0" err="1"/>
-              <a:t>coordinate</a:t>
-            </a:r>
-            <a:r>
-              <a:rPr lang="pl-PL" sz="2400" dirty="0"/>
-              <a:t> system with Sun as </a:t>
-            </a:r>
-            <a:r>
-              <a:rPr lang="pl-PL" sz="2400" dirty="0" err="1"/>
-              <a:t>its</a:t>
-            </a:r>
-            <a:r>
-              <a:rPr lang="pl-PL" sz="2400" dirty="0"/>
+              <a:rPr lang="pl-PL" dirty="0" err="1"/>
+              <a:t>celestial</a:t>
+            </a:r>
+            <a:r>
+              <a:rPr lang="pl-PL" dirty="0"/>
+              <a:t> body (and </a:t>
+            </a:r>
+            <a:r>
+              <a:rPr lang="pl-PL" dirty="0" err="1"/>
+              <a:t>probe</a:t>
+            </a:r>
+            <a:r>
+              <a:rPr lang="pl-PL" dirty="0"/>
+              <a:t>) </a:t>
+            </a:r>
+            <a:r>
+              <a:rPr lang="pl-PL" dirty="0" err="1"/>
+              <a:t>has</a:t>
+            </a:r>
+            <a:r>
+              <a:rPr lang="pl-PL" dirty="0"/>
+              <a:t> the </a:t>
+            </a:r>
+            <a:r>
+              <a:rPr lang="pl-PL" dirty="0" err="1"/>
+              <a:t>following</a:t>
+            </a:r>
+            <a:r>
+              <a:rPr lang="pl-PL" dirty="0"/>
               <a:t> </a:t>
             </a:r>
             <a:r>
-              <a:rPr lang="pl-PL" sz="2400" dirty="0" err="1"/>
-              <a:t>origin</a:t>
-            </a:r>
+              <a:rPr lang="pl-PL" dirty="0" err="1"/>
+              <a:t>features</a:t>
+            </a:r>
+            <a:r>
+              <a:rPr lang="pl-PL" dirty="0"/>
+              <a:t>:</a:t>
+            </a:r>
+          </a:p>
+          <a:p>
+            <a:pPr marL="0" indent="0">
+              <a:buNone/>
+            </a:pPr>
             <a:endParaRPr lang="pl-PL" sz="2400" dirty="0"/>
           </a:p>
           <a:p>
-            <a:pPr>
-              <a:lnSpc>
-                <a:spcPct val="150000"/>
-              </a:lnSpc>
-            </a:pPr>
-            <a:r>
-              <a:rPr lang="pl-PL" sz="2400" dirty="0"/>
-              <a:t>3D </a:t>
-            </a:r>
-            <a:r>
-              <a:rPr lang="pl-PL" sz="2400" dirty="0" err="1"/>
-              <a:t>location</a:t>
-            </a:r>
-            <a:r>
-              <a:rPr lang="pl-PL" sz="2400" dirty="0"/>
-              <a:t> </a:t>
-            </a:r>
-            <a:r>
-              <a:rPr lang="pl-PL" sz="2400" dirty="0" err="1"/>
-              <a:t>computations</a:t>
-            </a:r>
-            <a:r>
-              <a:rPr lang="pl-PL" sz="2400" dirty="0"/>
-              <a:t> and 2D </a:t>
-            </a:r>
-            <a:r>
-              <a:rPr lang="pl-PL" sz="2400" dirty="0" err="1"/>
-              <a:t>graphical</a:t>
-            </a:r>
-            <a:r>
-              <a:rPr lang="pl-PL" sz="2400" dirty="0"/>
-              <a:t> </a:t>
-            </a:r>
-            <a:r>
-              <a:rPr lang="pl-PL" sz="2400" dirty="0" err="1"/>
-              <a:t>interface</a:t>
-            </a:r>
-            <a:endParaRPr lang="pl-PL" sz="2400" dirty="0"/>
-          </a:p>
-          <a:p>
-            <a:pPr>
-              <a:lnSpc>
-                <a:spcPct val="150000"/>
-              </a:lnSpc>
-            </a:pPr>
-            <a:r>
-              <a:rPr lang="pl-PL" sz="2400" dirty="0"/>
-              <a:t>The model </a:t>
-            </a:r>
-            <a:r>
-              <a:rPr lang="pl-PL" sz="2400" dirty="0" err="1"/>
-              <a:t>launches</a:t>
-            </a:r>
-            <a:r>
-              <a:rPr lang="pl-PL" sz="2400" dirty="0"/>
-              <a:t> on &lt;</a:t>
-            </a:r>
-            <a:r>
-              <a:rPr lang="pl-PL" sz="2400" dirty="0" err="1"/>
-              <a:t>day</a:t>
-            </a:r>
-            <a:r>
-              <a:rPr lang="pl-PL" sz="2400" dirty="0"/>
-              <a:t>&gt; (NASA </a:t>
-            </a:r>
-            <a:r>
-              <a:rPr lang="pl-PL" sz="2400" dirty="0" err="1"/>
-              <a:t>provides</a:t>
-            </a:r>
-            <a:r>
-              <a:rPr lang="pl-PL" sz="2400" dirty="0"/>
-              <a:t> </a:t>
-            </a:r>
-            <a:r>
-              <a:rPr lang="pl-PL" sz="2400" dirty="0" err="1"/>
-              <a:t>coordiantes</a:t>
-            </a:r>
-            <a:r>
-              <a:rPr lang="pl-PL" sz="2400" dirty="0"/>
-              <a:t> for </a:t>
-            </a:r>
-            <a:r>
-              <a:rPr lang="pl-PL" sz="2400" dirty="0" err="1"/>
-              <a:t>each</a:t>
-            </a:r>
-            <a:r>
-              <a:rPr lang="pl-PL" sz="2400" dirty="0"/>
-              <a:t> body)</a:t>
-            </a:r>
-          </a:p>
-          <a:p>
-            <a:pPr>
-              <a:lnSpc>
-                <a:spcPct val="150000"/>
-              </a:lnSpc>
-            </a:pPr>
-            <a:r>
-              <a:rPr lang="pl-PL" sz="2400" dirty="0" err="1"/>
-              <a:t>Physics</a:t>
-            </a:r>
-            <a:r>
-              <a:rPr lang="pl-PL" sz="2400" dirty="0"/>
-              <a:t> </a:t>
-            </a:r>
-            <a:r>
-              <a:rPr lang="pl-PL" sz="2400" dirty="0" err="1"/>
-              <a:t>simplification</a:t>
-            </a:r>
-            <a:r>
-              <a:rPr lang="pl-PL" sz="2400" dirty="0"/>
-              <a:t> – </a:t>
-            </a:r>
-            <a:r>
-              <a:rPr lang="pl-PL" sz="2400" dirty="0" err="1"/>
-              <a:t>only</a:t>
-            </a:r>
-            <a:r>
-              <a:rPr lang="pl-PL" sz="2400" dirty="0"/>
-              <a:t> </a:t>
-            </a:r>
-            <a:r>
-              <a:rPr lang="pl-PL" sz="2400" dirty="0" err="1"/>
-              <a:t>gravitational</a:t>
-            </a:r>
-            <a:r>
-              <a:rPr lang="pl-PL" sz="2400" dirty="0"/>
-              <a:t> </a:t>
-            </a:r>
-            <a:r>
-              <a:rPr lang="pl-PL" sz="2400" dirty="0" err="1"/>
-              <a:t>forces</a:t>
-            </a:r>
-            <a:r>
-              <a:rPr lang="pl-PL" sz="2400" dirty="0"/>
-              <a:t> </a:t>
-            </a:r>
-            <a:r>
-              <a:rPr lang="pl-PL" sz="2400" dirty="0" err="1"/>
-              <a:t>are</a:t>
-            </a:r>
-            <a:r>
-              <a:rPr lang="pl-PL" sz="2400" dirty="0"/>
-              <a:t> </a:t>
-            </a:r>
-            <a:r>
-              <a:rPr lang="pl-PL" sz="2400" dirty="0" err="1"/>
-              <a:t>simulated</a:t>
-            </a:r>
-            <a:r>
-              <a:rPr lang="pl-PL" sz="2400" dirty="0"/>
-              <a:t>.</a:t>
-            </a:r>
-          </a:p>
-          <a:p>
-            <a:endParaRPr lang="pl-PL" dirty="0"/>
+            <a:r>
+              <a:rPr lang="pl-PL" sz="2400" b="1" dirty="0"/>
+              <a:t>Mass</a:t>
+            </a:r>
+          </a:p>
+          <a:p>
+            <a:r>
+              <a:rPr lang="pl-PL" sz="2400" b="1" dirty="0"/>
+              <a:t>Radius</a:t>
+            </a:r>
+          </a:p>
+          <a:p>
+            <a:r>
+              <a:rPr lang="pl-PL" sz="2400" b="1" dirty="0" err="1"/>
+              <a:t>Location</a:t>
+            </a:r>
+            <a:r>
+              <a:rPr lang="pl-PL" sz="2400" b="1" dirty="0"/>
+              <a:t> (X, Y and Z </a:t>
+            </a:r>
+            <a:r>
+              <a:rPr lang="pl-PL" sz="2400" b="1" dirty="0" err="1"/>
+              <a:t>coordinates</a:t>
+            </a:r>
+            <a:r>
+              <a:rPr lang="pl-PL" sz="2400" b="1" dirty="0"/>
+              <a:t>)</a:t>
+            </a:r>
+          </a:p>
+          <a:p>
+            <a:r>
+              <a:rPr lang="pl-PL" sz="2400" b="1" dirty="0" err="1"/>
+              <a:t>Velocity</a:t>
+            </a:r>
+            <a:r>
+              <a:rPr lang="pl-PL" sz="2400" b="1" dirty="0"/>
+              <a:t> ( as a </a:t>
+            </a:r>
+            <a:r>
+              <a:rPr lang="pl-PL" sz="2400" b="1" dirty="0" err="1"/>
+              <a:t>composition</a:t>
+            </a:r>
+            <a:r>
+              <a:rPr lang="pl-PL" sz="2400" b="1" dirty="0"/>
+              <a:t> of </a:t>
+            </a:r>
+            <a:r>
+              <a:rPr lang="pl-PL" sz="2400" b="1" dirty="0" err="1"/>
+              <a:t>velocities</a:t>
+            </a:r>
+            <a:r>
+              <a:rPr lang="pl-PL" sz="2400" b="1" dirty="0"/>
+              <a:t> X, Y and Z)</a:t>
+            </a:r>
           </a:p>
         </p:txBody>
       </p:sp>
     </p:spTree>
     <p:extLst>
       <p:ext uri="{BB962C8B-B14F-4D97-AF65-F5344CB8AC3E}">
-        <p14:creationId xmlns:p14="http://schemas.microsoft.com/office/powerpoint/2010/main" val="27603581"/>
+        <p14:creationId xmlns:p14="http://schemas.microsoft.com/office/powerpoint/2010/main" val="2567181165"/>
       </p:ext>
     </p:extLst>
   </p:cSld>
@@ -4099,7 +4064,7 @@
           <p:cNvPr id="2" name="Title 1">
             <a:extLst>
               <a:ext uri="{FF2B5EF4-FFF2-40B4-BE49-F238E27FC236}">
-                <a16:creationId xmlns:a16="http://schemas.microsoft.com/office/drawing/2014/main" id="{71E0E08A-4B88-5643-9563-151A833F7E78}"/>
+                <a16:creationId xmlns:a16="http://schemas.microsoft.com/office/drawing/2014/main" id="{7354F429-4AE3-ED47-8A98-C325477A0D57}"/>
               </a:ext>
             </a:extLst>
           </p:cNvPr>
@@ -4118,7 +4083,7 @@
             <a:pPr algn="ctr"/>
             <a:r>
               <a:rPr lang="pl-PL" b="1" dirty="0" err="1"/>
-              <a:t>Probe</a:t>
+              <a:t>Physics</a:t>
             </a:r>
             <a:r>
               <a:rPr lang="pl-PL" b="1" dirty="0"/>
@@ -4126,7 +4091,7 @@
             </a:r>
             <a:r>
               <a:rPr lang="pl-PL" b="1" dirty="0" err="1"/>
-              <a:t>trajectory</a:t>
+              <a:t>engine</a:t>
             </a:r>
             <a:endParaRPr lang="pl-PL" b="1" dirty="0"/>
           </a:p>
@@ -4137,7 +4102,7 @@
           <p:cNvPr id="3" name="Content Placeholder 2">
             <a:extLst>
               <a:ext uri="{FF2B5EF4-FFF2-40B4-BE49-F238E27FC236}">
-                <a16:creationId xmlns:a16="http://schemas.microsoft.com/office/drawing/2014/main" id="{068B5AE3-E177-3747-8A18-2AB24780E7F3}"/>
+                <a16:creationId xmlns:a16="http://schemas.microsoft.com/office/drawing/2014/main" id="{6451BA73-148E-7F4B-8A68-8B94F400C0E2}"/>
               </a:ext>
             </a:extLst>
           </p:cNvPr>
@@ -4148,9 +4113,1020 @@
             <p:ph idx="1"/>
           </p:nvPr>
         </p:nvSpPr>
+        <p:spPr>
+          <a:xfrm>
+            <a:off x="838200" y="1825625"/>
+            <a:ext cx="10515600" cy="994390"/>
+          </a:xfrm>
+        </p:spPr>
+        <p:txBody>
+          <a:bodyPr/>
+          <a:lstStyle/>
+          <a:p>
+            <a:r>
+              <a:rPr lang="pl-PL" dirty="0"/>
+              <a:t>The Solar System </a:t>
+            </a:r>
+            <a:r>
+              <a:rPr lang="pl-PL" dirty="0" err="1"/>
+              <a:t>is</a:t>
+            </a:r>
+            <a:r>
+              <a:rPr lang="pl-PL" dirty="0"/>
+              <a:t> </a:t>
+            </a:r>
+            <a:r>
+              <a:rPr lang="pl-PL" dirty="0" err="1"/>
+              <a:t>initialized</a:t>
+            </a:r>
+            <a:r>
+              <a:rPr lang="pl-PL" dirty="0"/>
+              <a:t> and </a:t>
+            </a:r>
+            <a:r>
+              <a:rPr lang="pl-PL" dirty="0" err="1"/>
+              <a:t>after</a:t>
+            </a:r>
+            <a:r>
+              <a:rPr lang="pl-PL" dirty="0"/>
+              <a:t> </a:t>
+            </a:r>
+            <a:r>
+              <a:rPr lang="pl-PL" dirty="0" err="1"/>
+              <a:t>each</a:t>
+            </a:r>
+            <a:r>
+              <a:rPr lang="pl-PL" dirty="0"/>
+              <a:t> </a:t>
+            </a:r>
+            <a:r>
+              <a:rPr lang="pl-PL" dirty="0" err="1"/>
+              <a:t>time</a:t>
+            </a:r>
+            <a:r>
+              <a:rPr lang="pl-PL" dirty="0"/>
+              <a:t> step </a:t>
+            </a:r>
+            <a:r>
+              <a:rPr lang="pl-PL" i="1" dirty="0"/>
+              <a:t>t</a:t>
+            </a:r>
+            <a:r>
+              <a:rPr lang="pl-PL" dirty="0"/>
+              <a:t> (</a:t>
+            </a:r>
+            <a:r>
+              <a:rPr lang="pl-PL" dirty="0" err="1"/>
+              <a:t>e.g</a:t>
+            </a:r>
+            <a:r>
+              <a:rPr lang="pl-PL" dirty="0"/>
+              <a:t>. 1hour) </a:t>
+            </a:r>
+            <a:r>
+              <a:rPr lang="pl-PL" dirty="0" err="1"/>
+              <a:t>all</a:t>
+            </a:r>
+            <a:r>
+              <a:rPr lang="pl-PL" dirty="0"/>
+              <a:t> </a:t>
+            </a:r>
+            <a:r>
+              <a:rPr lang="pl-PL" dirty="0" err="1"/>
+              <a:t>its</a:t>
+            </a:r>
+            <a:r>
+              <a:rPr lang="pl-PL" dirty="0"/>
+              <a:t> </a:t>
+            </a:r>
+            <a:r>
+              <a:rPr lang="pl-PL" dirty="0" err="1"/>
+              <a:t>parameters</a:t>
+            </a:r>
+            <a:r>
+              <a:rPr lang="pl-PL" dirty="0"/>
+              <a:t> and </a:t>
+            </a:r>
+            <a:r>
+              <a:rPr lang="pl-PL" dirty="0" err="1"/>
+              <a:t>graphics</a:t>
+            </a:r>
+            <a:r>
+              <a:rPr lang="pl-PL" dirty="0"/>
+              <a:t> </a:t>
+            </a:r>
+            <a:r>
+              <a:rPr lang="pl-PL" dirty="0" err="1"/>
+              <a:t>are</a:t>
+            </a:r>
+            <a:r>
+              <a:rPr lang="pl-PL" dirty="0"/>
+              <a:t> </a:t>
+            </a:r>
+            <a:r>
+              <a:rPr lang="pl-PL" dirty="0" err="1"/>
+              <a:t>updated</a:t>
+            </a:r>
+            <a:r>
+              <a:rPr lang="pl-PL" dirty="0"/>
+              <a:t>.</a:t>
+            </a:r>
+          </a:p>
+          <a:p>
+            <a:pPr marL="0" indent="0">
+              <a:buNone/>
+            </a:pPr>
+            <a:endParaRPr lang="pl-PL" dirty="0"/>
+          </a:p>
+          <a:p>
+            <a:pPr marL="0" indent="0">
+              <a:buNone/>
+            </a:pPr>
+            <a:endParaRPr lang="pl-PL" dirty="0"/>
+          </a:p>
+        </p:txBody>
+      </p:sp>
+      <p:sp>
+        <p:nvSpPr>
+          <p:cNvPr id="7" name="Rounded Rectangle 6">
+            <a:extLst>
+              <a:ext uri="{FF2B5EF4-FFF2-40B4-BE49-F238E27FC236}">
+                <a16:creationId xmlns:a16="http://schemas.microsoft.com/office/drawing/2014/main" id="{D63645CD-BCDC-AF4A-B3A4-15FB1B686ECB}"/>
+              </a:ext>
+            </a:extLst>
+          </p:cNvPr>
+          <p:cNvSpPr/>
+          <p:nvPr/>
+        </p:nvSpPr>
+        <p:spPr>
+          <a:xfrm>
+            <a:off x="1943100" y="3760464"/>
+            <a:ext cx="2129790" cy="1028681"/>
+          </a:xfrm>
+          <a:prstGeom prst="roundRect">
+            <a:avLst/>
+          </a:prstGeom>
+        </p:spPr>
+        <p:style>
+          <a:lnRef idx="2">
+            <a:schemeClr val="accent6"/>
+          </a:lnRef>
+          <a:fillRef idx="1">
+            <a:schemeClr val="lt1"/>
+          </a:fillRef>
+          <a:effectRef idx="0">
+            <a:schemeClr val="accent6"/>
+          </a:effectRef>
+          <a:fontRef idx="minor">
+            <a:schemeClr val="dk1"/>
+          </a:fontRef>
+        </p:style>
+        <p:txBody>
+          <a:bodyPr rtlCol="0" anchor="ctr"/>
+          <a:lstStyle/>
+          <a:p>
+            <a:pPr algn="ctr"/>
+            <a:r>
+              <a:rPr lang="pl-PL" sz="1400" dirty="0"/>
+              <a:t>Computing and </a:t>
+            </a:r>
+            <a:r>
+              <a:rPr lang="pl-PL" sz="1400" dirty="0" err="1"/>
+              <a:t>adding</a:t>
+            </a:r>
+            <a:r>
+              <a:rPr lang="pl-PL" sz="1400" dirty="0"/>
+              <a:t> </a:t>
+            </a:r>
+            <a:r>
+              <a:rPr lang="pl-PL" sz="1400" dirty="0" err="1"/>
+              <a:t>all</a:t>
+            </a:r>
+            <a:r>
+              <a:rPr lang="pl-PL" sz="1400" dirty="0"/>
+              <a:t> the </a:t>
+            </a:r>
+            <a:r>
+              <a:rPr lang="pl-PL" sz="1400" dirty="0" err="1"/>
+              <a:t>force</a:t>
+            </a:r>
+            <a:r>
+              <a:rPr lang="pl-PL" sz="1400" dirty="0"/>
+              <a:t> </a:t>
+            </a:r>
+            <a:r>
+              <a:rPr lang="pl-PL" sz="1400" dirty="0" err="1"/>
+              <a:t>components</a:t>
+            </a:r>
+            <a:r>
+              <a:rPr lang="pl-PL" sz="1400" dirty="0"/>
+              <a:t> for </a:t>
+            </a:r>
+            <a:r>
+              <a:rPr lang="pl-PL" sz="1400" dirty="0" err="1"/>
+              <a:t>each</a:t>
+            </a:r>
+            <a:r>
+              <a:rPr lang="pl-PL" sz="1400" dirty="0"/>
+              <a:t> body </a:t>
+            </a:r>
+            <a:r>
+              <a:rPr lang="pl-PL" sz="1400" dirty="0" err="1"/>
+              <a:t>using</a:t>
+            </a:r>
+            <a:r>
+              <a:rPr lang="pl-PL" sz="1400" dirty="0"/>
+              <a:t> the law of </a:t>
+            </a:r>
+            <a:r>
+              <a:rPr lang="pl-PL" sz="1400" dirty="0" err="1"/>
+              <a:t>universal</a:t>
+            </a:r>
+            <a:r>
+              <a:rPr lang="pl-PL" sz="1400" dirty="0"/>
+              <a:t> </a:t>
+            </a:r>
+            <a:r>
+              <a:rPr lang="pl-PL" sz="1400" dirty="0" err="1"/>
+              <a:t>gravitation</a:t>
+            </a:r>
+            <a:r>
+              <a:rPr lang="pl-PL" sz="1400" dirty="0"/>
+              <a:t>.</a:t>
+            </a:r>
+          </a:p>
+        </p:txBody>
+      </p:sp>
+      <p:sp>
+        <p:nvSpPr>
+          <p:cNvPr id="8" name="Rounded Rectangle 7">
+            <a:extLst>
+              <a:ext uri="{FF2B5EF4-FFF2-40B4-BE49-F238E27FC236}">
+                <a16:creationId xmlns:a16="http://schemas.microsoft.com/office/drawing/2014/main" id="{88F0E9FA-2B7E-B943-90D9-43D3E63FAC85}"/>
+              </a:ext>
+            </a:extLst>
+          </p:cNvPr>
+          <p:cNvSpPr/>
+          <p:nvPr/>
+        </p:nvSpPr>
+        <p:spPr>
+          <a:xfrm>
+            <a:off x="4777740" y="3783312"/>
+            <a:ext cx="2017395" cy="1028694"/>
+          </a:xfrm>
+          <a:prstGeom prst="roundRect">
+            <a:avLst/>
+          </a:prstGeom>
+        </p:spPr>
+        <p:style>
+          <a:lnRef idx="2">
+            <a:schemeClr val="accent6"/>
+          </a:lnRef>
+          <a:fillRef idx="1">
+            <a:schemeClr val="lt1"/>
+          </a:fillRef>
+          <a:effectRef idx="0">
+            <a:schemeClr val="accent6"/>
+          </a:effectRef>
+          <a:fontRef idx="minor">
+            <a:schemeClr val="dk1"/>
+          </a:fontRef>
+        </p:style>
+        <p:txBody>
+          <a:bodyPr rtlCol="0" anchor="ctr"/>
+          <a:lstStyle/>
+          <a:p>
+            <a:pPr algn="ctr"/>
+            <a:r>
+              <a:rPr lang="pl-PL" sz="1400" dirty="0"/>
+              <a:t>Computing the </a:t>
+            </a:r>
+            <a:r>
+              <a:rPr lang="pl-PL" sz="1400" dirty="0" err="1"/>
+              <a:t>acceleration</a:t>
+            </a:r>
+            <a:r>
+              <a:rPr lang="pl-PL" sz="1400" dirty="0"/>
+              <a:t> for </a:t>
+            </a:r>
+            <a:r>
+              <a:rPr lang="pl-PL" sz="1400" dirty="0" err="1"/>
+              <a:t>each</a:t>
+            </a:r>
+            <a:r>
+              <a:rPr lang="pl-PL" sz="1400" dirty="0"/>
+              <a:t> body </a:t>
+            </a:r>
+            <a:r>
+              <a:rPr lang="pl-PL" sz="1400" dirty="0" err="1"/>
+              <a:t>according</a:t>
+            </a:r>
+            <a:r>
+              <a:rPr lang="pl-PL" sz="1400" dirty="0"/>
+              <a:t> to the </a:t>
+            </a:r>
+            <a:r>
+              <a:rPr lang="pl-PL" sz="1400" dirty="0" err="1"/>
+              <a:t>second</a:t>
+            </a:r>
+            <a:r>
+              <a:rPr lang="pl-PL" sz="1400" dirty="0"/>
+              <a:t> </a:t>
+            </a:r>
+            <a:r>
+              <a:rPr lang="pl-PL" sz="1400" dirty="0" err="1"/>
+              <a:t>Newton’s</a:t>
+            </a:r>
+            <a:r>
+              <a:rPr lang="pl-PL" sz="1400" dirty="0"/>
+              <a:t> law.</a:t>
+            </a:r>
+          </a:p>
+        </p:txBody>
+      </p:sp>
+      <p:sp>
+        <p:nvSpPr>
+          <p:cNvPr id="9" name="Rounded Rectangle 8">
+            <a:extLst>
+              <a:ext uri="{FF2B5EF4-FFF2-40B4-BE49-F238E27FC236}">
+                <a16:creationId xmlns:a16="http://schemas.microsoft.com/office/drawing/2014/main" id="{863CB8E5-ADC5-354B-BD4B-7ECB1C70ADB9}"/>
+              </a:ext>
+            </a:extLst>
+          </p:cNvPr>
+          <p:cNvSpPr/>
+          <p:nvPr/>
+        </p:nvSpPr>
+        <p:spPr>
+          <a:xfrm>
+            <a:off x="7515225" y="3863331"/>
+            <a:ext cx="1905000" cy="845807"/>
+          </a:xfrm>
+          <a:prstGeom prst="roundRect">
+            <a:avLst/>
+          </a:prstGeom>
+        </p:spPr>
+        <p:style>
+          <a:lnRef idx="2">
+            <a:schemeClr val="accent6"/>
+          </a:lnRef>
+          <a:fillRef idx="1">
+            <a:schemeClr val="lt1"/>
+          </a:fillRef>
+          <a:effectRef idx="0">
+            <a:schemeClr val="accent6"/>
+          </a:effectRef>
+          <a:fontRef idx="minor">
+            <a:schemeClr val="dk1"/>
+          </a:fontRef>
+        </p:style>
+        <p:txBody>
+          <a:bodyPr rtlCol="0" anchor="ctr"/>
+          <a:lstStyle/>
+          <a:p>
+            <a:pPr algn="ctr"/>
+            <a:r>
+              <a:rPr lang="pl-PL" sz="1400" dirty="0"/>
+              <a:t>Computing the </a:t>
+            </a:r>
+            <a:r>
+              <a:rPr lang="pl-PL" sz="1400" dirty="0" err="1"/>
+              <a:t>new</a:t>
+            </a:r>
+            <a:r>
+              <a:rPr lang="pl-PL" sz="1400" dirty="0"/>
+              <a:t> </a:t>
+            </a:r>
+            <a:r>
+              <a:rPr lang="pl-PL" sz="1400" dirty="0" err="1"/>
+              <a:t>velocity</a:t>
+            </a:r>
+            <a:r>
+              <a:rPr lang="pl-PL" sz="1400" dirty="0"/>
+              <a:t> for </a:t>
+            </a:r>
+            <a:r>
+              <a:rPr lang="pl-PL" sz="1400" dirty="0" err="1"/>
+              <a:t>each</a:t>
+            </a:r>
+            <a:r>
+              <a:rPr lang="pl-PL" sz="1400" dirty="0"/>
+              <a:t> body </a:t>
+            </a:r>
+            <a:r>
+              <a:rPr lang="pl-PL" sz="1400" dirty="0" err="1"/>
+              <a:t>after</a:t>
+            </a:r>
+            <a:r>
+              <a:rPr lang="pl-PL" sz="1400" dirty="0"/>
+              <a:t> </a:t>
+            </a:r>
+            <a:r>
+              <a:rPr lang="pl-PL" sz="1400" dirty="0" err="1"/>
+              <a:t>time</a:t>
+            </a:r>
+            <a:r>
+              <a:rPr lang="pl-PL" sz="1400" dirty="0"/>
+              <a:t> </a:t>
+            </a:r>
+            <a:r>
+              <a:rPr lang="pl-PL" sz="1400" i="1" dirty="0"/>
+              <a:t>t.</a:t>
+            </a:r>
+          </a:p>
+        </p:txBody>
+      </p:sp>
+      <p:cxnSp>
+        <p:nvCxnSpPr>
+          <p:cNvPr id="13" name="Straight Arrow Connector 12">
+            <a:extLst>
+              <a:ext uri="{FF2B5EF4-FFF2-40B4-BE49-F238E27FC236}">
+                <a16:creationId xmlns:a16="http://schemas.microsoft.com/office/drawing/2014/main" id="{B6196166-5E4A-6545-8DEF-9AAAB35E802D}"/>
+              </a:ext>
+            </a:extLst>
+          </p:cNvPr>
+          <p:cNvCxnSpPr>
+            <a:cxnSpLocks/>
+          </p:cNvCxnSpPr>
+          <p:nvPr/>
+        </p:nvCxnSpPr>
+        <p:spPr>
+          <a:xfrm>
+            <a:off x="4057650" y="4263370"/>
+            <a:ext cx="720090" cy="0"/>
+          </a:xfrm>
+          <a:prstGeom prst="straightConnector1">
+            <a:avLst/>
+          </a:prstGeom>
+          <a:ln>
+            <a:tailEnd type="triangle"/>
+          </a:ln>
+        </p:spPr>
+        <p:style>
+          <a:lnRef idx="1">
+            <a:schemeClr val="dk1"/>
+          </a:lnRef>
+          <a:fillRef idx="0">
+            <a:schemeClr val="dk1"/>
+          </a:fillRef>
+          <a:effectRef idx="0">
+            <a:schemeClr val="dk1"/>
+          </a:effectRef>
+          <a:fontRef idx="minor">
+            <a:schemeClr val="tx1"/>
+          </a:fontRef>
+        </p:style>
+      </p:cxnSp>
+      <p:cxnSp>
+        <p:nvCxnSpPr>
+          <p:cNvPr id="15" name="Straight Arrow Connector 14">
+            <a:extLst>
+              <a:ext uri="{FF2B5EF4-FFF2-40B4-BE49-F238E27FC236}">
+                <a16:creationId xmlns:a16="http://schemas.microsoft.com/office/drawing/2014/main" id="{0492DED5-9801-444E-9921-3A2DF99507CB}"/>
+              </a:ext>
+            </a:extLst>
+          </p:cNvPr>
+          <p:cNvCxnSpPr>
+            <a:cxnSpLocks/>
+          </p:cNvCxnSpPr>
+          <p:nvPr/>
+        </p:nvCxnSpPr>
+        <p:spPr>
+          <a:xfrm>
+            <a:off x="6795135" y="4297649"/>
+            <a:ext cx="720090" cy="0"/>
+          </a:xfrm>
+          <a:prstGeom prst="straightConnector1">
+            <a:avLst/>
+          </a:prstGeom>
+          <a:ln>
+            <a:tailEnd type="triangle"/>
+          </a:ln>
+        </p:spPr>
+        <p:style>
+          <a:lnRef idx="1">
+            <a:schemeClr val="dk1"/>
+          </a:lnRef>
+          <a:fillRef idx="0">
+            <a:schemeClr val="dk1"/>
+          </a:fillRef>
+          <a:effectRef idx="0">
+            <a:schemeClr val="dk1"/>
+          </a:effectRef>
+          <a:fontRef idx="minor">
+            <a:schemeClr val="tx1"/>
+          </a:fontRef>
+        </p:style>
+      </p:cxnSp>
+      <p:cxnSp>
+        <p:nvCxnSpPr>
+          <p:cNvPr id="16" name="Straight Arrow Connector 15">
+            <a:extLst>
+              <a:ext uri="{FF2B5EF4-FFF2-40B4-BE49-F238E27FC236}">
+                <a16:creationId xmlns:a16="http://schemas.microsoft.com/office/drawing/2014/main" id="{684B53B2-E7E3-CD45-AFA1-B22910DB5337}"/>
+              </a:ext>
+            </a:extLst>
+          </p:cNvPr>
+          <p:cNvCxnSpPr>
+            <a:cxnSpLocks/>
+          </p:cNvCxnSpPr>
+          <p:nvPr/>
+        </p:nvCxnSpPr>
+        <p:spPr>
+          <a:xfrm>
+            <a:off x="9420225" y="4274805"/>
+            <a:ext cx="720090" cy="0"/>
+          </a:xfrm>
+          <a:prstGeom prst="straightConnector1">
+            <a:avLst/>
+          </a:prstGeom>
+          <a:ln>
+            <a:tailEnd type="triangle"/>
+          </a:ln>
+        </p:spPr>
+        <p:style>
+          <a:lnRef idx="1">
+            <a:schemeClr val="dk1"/>
+          </a:lnRef>
+          <a:fillRef idx="0">
+            <a:schemeClr val="dk1"/>
+          </a:fillRef>
+          <a:effectRef idx="0">
+            <a:schemeClr val="dk1"/>
+          </a:effectRef>
+          <a:fontRef idx="minor">
+            <a:schemeClr val="tx1"/>
+          </a:fontRef>
+        </p:style>
+      </p:cxnSp>
+      <p:sp>
+        <p:nvSpPr>
+          <p:cNvPr id="17" name="Rounded Rectangle 16">
+            <a:extLst>
+              <a:ext uri="{FF2B5EF4-FFF2-40B4-BE49-F238E27FC236}">
+                <a16:creationId xmlns:a16="http://schemas.microsoft.com/office/drawing/2014/main" id="{3FB3FCAC-EB87-6048-9C88-FB0A955671A6}"/>
+              </a:ext>
+            </a:extLst>
+          </p:cNvPr>
+          <p:cNvSpPr/>
+          <p:nvPr/>
+        </p:nvSpPr>
+        <p:spPr>
+          <a:xfrm>
+            <a:off x="10140315" y="3783318"/>
+            <a:ext cx="1905000" cy="994391"/>
+          </a:xfrm>
+          <a:prstGeom prst="roundRect">
+            <a:avLst/>
+          </a:prstGeom>
+        </p:spPr>
+        <p:style>
+          <a:lnRef idx="2">
+            <a:schemeClr val="accent6"/>
+          </a:lnRef>
+          <a:fillRef idx="1">
+            <a:schemeClr val="lt1"/>
+          </a:fillRef>
+          <a:effectRef idx="0">
+            <a:schemeClr val="accent6"/>
+          </a:effectRef>
+          <a:fontRef idx="minor">
+            <a:schemeClr val="dk1"/>
+          </a:fontRef>
+        </p:style>
+        <p:txBody>
+          <a:bodyPr rtlCol="0" anchor="ctr"/>
+          <a:lstStyle/>
+          <a:p>
+            <a:pPr algn="ctr"/>
+            <a:r>
+              <a:rPr lang="pl-PL" sz="1400" dirty="0"/>
+              <a:t>Computing the </a:t>
+            </a:r>
+            <a:r>
+              <a:rPr lang="pl-PL" sz="1400" dirty="0" err="1"/>
+              <a:t>average</a:t>
+            </a:r>
+            <a:r>
+              <a:rPr lang="pl-PL" sz="1400" dirty="0"/>
+              <a:t> </a:t>
+            </a:r>
+            <a:r>
+              <a:rPr lang="pl-PL" sz="1400" dirty="0" err="1"/>
+              <a:t>velocity</a:t>
+            </a:r>
+            <a:r>
+              <a:rPr lang="pl-PL" sz="1400" dirty="0"/>
+              <a:t> of </a:t>
+            </a:r>
+            <a:r>
+              <a:rPr lang="pl-PL" sz="1400" dirty="0" err="1"/>
+              <a:t>each</a:t>
+            </a:r>
+            <a:r>
+              <a:rPr lang="pl-PL" sz="1400" dirty="0"/>
+              <a:t> body </a:t>
+            </a:r>
+            <a:r>
+              <a:rPr lang="pl-PL" sz="1400" dirty="0" err="1"/>
+              <a:t>during</a:t>
+            </a:r>
+            <a:r>
+              <a:rPr lang="pl-PL" sz="1400" dirty="0"/>
+              <a:t> the </a:t>
+            </a:r>
+            <a:r>
+              <a:rPr lang="pl-PL" sz="1400" dirty="0" err="1"/>
+              <a:t>time</a:t>
+            </a:r>
+            <a:r>
+              <a:rPr lang="pl-PL" sz="1400" dirty="0"/>
+              <a:t> step and </a:t>
+            </a:r>
+            <a:r>
+              <a:rPr lang="pl-PL" sz="1400" dirty="0" err="1"/>
+              <a:t>updating</a:t>
+            </a:r>
+            <a:r>
+              <a:rPr lang="pl-PL" sz="1400" dirty="0"/>
+              <a:t> </a:t>
+            </a:r>
+            <a:r>
+              <a:rPr lang="pl-PL" sz="1400" dirty="0" err="1"/>
+              <a:t>its</a:t>
+            </a:r>
+            <a:r>
+              <a:rPr lang="pl-PL" sz="1400" dirty="0"/>
+              <a:t> </a:t>
+            </a:r>
+            <a:r>
+              <a:rPr lang="pl-PL" sz="1400" dirty="0" err="1"/>
+              <a:t>locaton</a:t>
+            </a:r>
+            <a:r>
+              <a:rPr lang="pl-PL" sz="1400" dirty="0"/>
+              <a:t>. </a:t>
+            </a:r>
+          </a:p>
+        </p:txBody>
+      </p:sp>
+      <p:sp>
+        <p:nvSpPr>
+          <p:cNvPr id="18" name="Rounded Rectangle 17">
+            <a:extLst>
+              <a:ext uri="{FF2B5EF4-FFF2-40B4-BE49-F238E27FC236}">
+                <a16:creationId xmlns:a16="http://schemas.microsoft.com/office/drawing/2014/main" id="{86C0CA8D-ED66-BF4D-88F9-BF9E7BD40319}"/>
+              </a:ext>
+            </a:extLst>
+          </p:cNvPr>
+          <p:cNvSpPr/>
+          <p:nvPr/>
+        </p:nvSpPr>
+        <p:spPr>
+          <a:xfrm>
+            <a:off x="22860" y="3840474"/>
+            <a:ext cx="1200150" cy="891519"/>
+          </a:xfrm>
+          <a:prstGeom prst="roundRect">
+            <a:avLst/>
+          </a:prstGeom>
+        </p:spPr>
+        <p:style>
+          <a:lnRef idx="2">
+            <a:schemeClr val="accent6"/>
+          </a:lnRef>
+          <a:fillRef idx="1">
+            <a:schemeClr val="lt1"/>
+          </a:fillRef>
+          <a:effectRef idx="0">
+            <a:schemeClr val="accent6"/>
+          </a:effectRef>
+          <a:fontRef idx="minor">
+            <a:schemeClr val="dk1"/>
+          </a:fontRef>
+        </p:style>
+        <p:txBody>
+          <a:bodyPr rtlCol="0" anchor="ctr"/>
+          <a:lstStyle/>
+          <a:p>
+            <a:pPr algn="ctr"/>
+            <a:r>
+              <a:rPr lang="pl-PL" sz="1400" dirty="0"/>
+              <a:t>Solar System </a:t>
+            </a:r>
+            <a:r>
+              <a:rPr lang="pl-PL" sz="1400" dirty="0" err="1"/>
+              <a:t>initialization</a:t>
+            </a:r>
+            <a:endParaRPr lang="pl-PL" sz="1400" dirty="0"/>
+          </a:p>
+        </p:txBody>
+      </p:sp>
+      <p:cxnSp>
+        <p:nvCxnSpPr>
+          <p:cNvPr id="19" name="Straight Arrow Connector 18">
+            <a:extLst>
+              <a:ext uri="{FF2B5EF4-FFF2-40B4-BE49-F238E27FC236}">
+                <a16:creationId xmlns:a16="http://schemas.microsoft.com/office/drawing/2014/main" id="{279E1FBF-0D6D-7044-807D-1A805073D69F}"/>
+              </a:ext>
+            </a:extLst>
+          </p:cNvPr>
+          <p:cNvCxnSpPr>
+            <a:cxnSpLocks/>
+          </p:cNvCxnSpPr>
+          <p:nvPr/>
+        </p:nvCxnSpPr>
+        <p:spPr>
+          <a:xfrm>
+            <a:off x="1223010" y="4263370"/>
+            <a:ext cx="720090" cy="0"/>
+          </a:xfrm>
+          <a:prstGeom prst="straightConnector1">
+            <a:avLst/>
+          </a:prstGeom>
+          <a:ln>
+            <a:tailEnd type="triangle"/>
+          </a:ln>
+        </p:spPr>
+        <p:style>
+          <a:lnRef idx="1">
+            <a:schemeClr val="dk1"/>
+          </a:lnRef>
+          <a:fillRef idx="0">
+            <a:schemeClr val="dk1"/>
+          </a:fillRef>
+          <a:effectRef idx="0">
+            <a:schemeClr val="dk1"/>
+          </a:effectRef>
+          <a:fontRef idx="minor">
+            <a:schemeClr val="tx1"/>
+          </a:fontRef>
+        </p:style>
+      </p:cxnSp>
+      <p:sp>
+        <p:nvSpPr>
+          <p:cNvPr id="21" name="TextBox 20">
+            <a:extLst>
+              <a:ext uri="{FF2B5EF4-FFF2-40B4-BE49-F238E27FC236}">
+                <a16:creationId xmlns:a16="http://schemas.microsoft.com/office/drawing/2014/main" id="{E1F50523-22ED-F049-BBC3-53C7A1703CAF}"/>
+              </a:ext>
+            </a:extLst>
+          </p:cNvPr>
+          <p:cNvSpPr txBox="1"/>
+          <p:nvPr/>
+        </p:nvSpPr>
+        <p:spPr>
+          <a:xfrm>
+            <a:off x="4627245" y="5126288"/>
+            <a:ext cx="2887980" cy="400110"/>
+          </a:xfrm>
+          <a:prstGeom prst="rect">
+            <a:avLst/>
+          </a:prstGeom>
+          <a:noFill/>
+        </p:spPr>
+        <p:txBody>
+          <a:bodyPr wrap="square" rtlCol="0">
+            <a:spAutoFit/>
+          </a:bodyPr>
+          <a:lstStyle/>
+          <a:p>
+            <a:r>
+              <a:rPr lang="pl-PL" sz="2000" b="1" dirty="0" err="1"/>
+              <a:t>Physics</a:t>
+            </a:r>
+            <a:r>
+              <a:rPr lang="pl-PL" sz="2000" b="1" dirty="0"/>
+              <a:t> </a:t>
+            </a:r>
+            <a:r>
+              <a:rPr lang="pl-PL" sz="2000" b="1" dirty="0" err="1"/>
+              <a:t>engine</a:t>
+            </a:r>
+            <a:r>
+              <a:rPr lang="pl-PL" sz="2000" b="1" dirty="0"/>
+              <a:t> </a:t>
+            </a:r>
+            <a:r>
+              <a:rPr lang="pl-PL" sz="2000" b="1" dirty="0" err="1"/>
+              <a:t>cycle</a:t>
+            </a:r>
+            <a:r>
+              <a:rPr lang="pl-PL" sz="2000" b="1" dirty="0"/>
+              <a:t> </a:t>
+            </a:r>
+          </a:p>
+        </p:txBody>
+      </p:sp>
+      <p:cxnSp>
+        <p:nvCxnSpPr>
+          <p:cNvPr id="23" name="Straight Arrow Connector 22">
+            <a:extLst>
+              <a:ext uri="{FF2B5EF4-FFF2-40B4-BE49-F238E27FC236}">
+                <a16:creationId xmlns:a16="http://schemas.microsoft.com/office/drawing/2014/main" id="{58608551-51C7-3448-A1EE-A7BBF162F7DC}"/>
+              </a:ext>
+            </a:extLst>
+          </p:cNvPr>
+          <p:cNvCxnSpPr/>
+          <p:nvPr/>
+        </p:nvCxnSpPr>
+        <p:spPr>
+          <a:xfrm>
+            <a:off x="1817370" y="3314700"/>
+            <a:ext cx="10227945" cy="0"/>
+          </a:xfrm>
+          <a:prstGeom prst="straightConnector1">
+            <a:avLst/>
+          </a:prstGeom>
+          <a:ln>
+            <a:headEnd type="triangle"/>
+            <a:tailEnd type="triangle"/>
+          </a:ln>
+        </p:spPr>
+        <p:style>
+          <a:lnRef idx="1">
+            <a:schemeClr val="dk1"/>
+          </a:lnRef>
+          <a:fillRef idx="0">
+            <a:schemeClr val="dk1"/>
+          </a:fillRef>
+          <a:effectRef idx="0">
+            <a:schemeClr val="dk1"/>
+          </a:effectRef>
+          <a:fontRef idx="minor">
+            <a:schemeClr val="tx1"/>
+          </a:fontRef>
+        </p:style>
+      </p:cxnSp>
+      <p:sp>
+        <p:nvSpPr>
+          <p:cNvPr id="26" name="TextBox 25">
+            <a:extLst>
+              <a:ext uri="{FF2B5EF4-FFF2-40B4-BE49-F238E27FC236}">
+                <a16:creationId xmlns:a16="http://schemas.microsoft.com/office/drawing/2014/main" id="{77C1DC2F-5C0A-A64B-A143-BFA7208B2FDF}"/>
+              </a:ext>
+            </a:extLst>
+          </p:cNvPr>
+          <p:cNvSpPr txBox="1"/>
+          <p:nvPr/>
+        </p:nvSpPr>
+        <p:spPr>
+          <a:xfrm>
+            <a:off x="6226492" y="2849195"/>
+            <a:ext cx="1857375" cy="461665"/>
+          </a:xfrm>
+          <a:prstGeom prst="rect">
+            <a:avLst/>
+          </a:prstGeom>
+          <a:noFill/>
+        </p:spPr>
+        <p:txBody>
+          <a:bodyPr wrap="square" rtlCol="0">
+            <a:spAutoFit/>
+          </a:bodyPr>
+          <a:lstStyle/>
+          <a:p>
+            <a:r>
+              <a:rPr lang="pl-PL" sz="2400" b="1" dirty="0"/>
+              <a:t>Time t</a:t>
+            </a:r>
+          </a:p>
+        </p:txBody>
+      </p:sp>
+      <p:sp>
+        <p:nvSpPr>
+          <p:cNvPr id="38" name="Curved Up Arrow 37">
+            <a:extLst>
+              <a:ext uri="{FF2B5EF4-FFF2-40B4-BE49-F238E27FC236}">
+                <a16:creationId xmlns:a16="http://schemas.microsoft.com/office/drawing/2014/main" id="{BB1BC202-705B-694B-AA08-515B78766FC2}"/>
+              </a:ext>
+            </a:extLst>
+          </p:cNvPr>
+          <p:cNvSpPr/>
+          <p:nvPr/>
+        </p:nvSpPr>
+        <p:spPr>
+          <a:xfrm flipH="1">
+            <a:off x="3303269" y="4934872"/>
+            <a:ext cx="7240905" cy="1028680"/>
+          </a:xfrm>
+          <a:prstGeom prst="curvedUpArrow">
+            <a:avLst/>
+          </a:prstGeom>
+        </p:spPr>
+        <p:style>
+          <a:lnRef idx="2">
+            <a:schemeClr val="accent1">
+              <a:shade val="50000"/>
+            </a:schemeClr>
+          </a:lnRef>
+          <a:fillRef idx="1">
+            <a:schemeClr val="accent1"/>
+          </a:fillRef>
+          <a:effectRef idx="0">
+            <a:schemeClr val="accent1"/>
+          </a:effectRef>
+          <a:fontRef idx="minor">
+            <a:schemeClr val="lt1"/>
+          </a:fontRef>
+        </p:style>
+        <p:txBody>
+          <a:bodyPr rtlCol="0" anchor="ctr"/>
+          <a:lstStyle/>
+          <a:p>
+            <a:pPr algn="ctr"/>
+            <a:endParaRPr lang="pl-PL">
+              <a:solidFill>
+                <a:schemeClr val="tx1"/>
+              </a:solidFill>
+            </a:endParaRPr>
+          </a:p>
+        </p:txBody>
+      </p:sp>
+    </p:spTree>
+    <p:extLst>
+      <p:ext uri="{BB962C8B-B14F-4D97-AF65-F5344CB8AC3E}">
+        <p14:creationId xmlns:p14="http://schemas.microsoft.com/office/powerpoint/2010/main" val="200246127"/>
+      </p:ext>
+    </p:extLst>
+  </p:cSld>
+  <p:clrMapOvr>
+    <a:masterClrMapping/>
+  </p:clrMapOvr>
+</p:sld>
+</file>
+
+<file path=ppt/slides/slide5.xml><?xml version="1.0" encoding="utf-8"?>
+<p:sld xmlns:a="http://schemas.openxmlformats.org/drawingml/2006/main" xmlns:r="http://schemas.openxmlformats.org/officeDocument/2006/relationships" xmlns:p="http://schemas.openxmlformats.org/presentationml/2006/main">
+  <p:cSld>
+    <p:spTree>
+      <p:nvGrpSpPr>
+        <p:cNvPr id="1" name=""/>
+        <p:cNvGrpSpPr/>
+        <p:nvPr/>
+      </p:nvGrpSpPr>
+      <p:grpSpPr>
+        <a:xfrm>
+          <a:off x="0" y="0"/>
+          <a:ext cx="0" cy="0"/>
+          <a:chOff x="0" y="0"/>
+          <a:chExt cx="0" cy="0"/>
+        </a:xfrm>
+      </p:grpSpPr>
+      <p:sp>
+        <p:nvSpPr>
+          <p:cNvPr id="2" name="Title 1">
+            <a:extLst>
+              <a:ext uri="{FF2B5EF4-FFF2-40B4-BE49-F238E27FC236}">
+                <a16:creationId xmlns:a16="http://schemas.microsoft.com/office/drawing/2014/main" id="{9457AA1A-FB42-8749-81CC-49787DD04F55}"/>
+              </a:ext>
+            </a:extLst>
+          </p:cNvPr>
+          <p:cNvSpPr>
+            <a:spLocks noGrp="1"/>
+          </p:cNvSpPr>
+          <p:nvPr>
+            <p:ph type="title"/>
+          </p:nvPr>
+        </p:nvSpPr>
         <p:spPr/>
         <p:txBody>
           <a:bodyPr/>
+          <a:lstStyle/>
+          <a:p>
+            <a:pPr algn="ctr"/>
+            <a:r>
+              <a:rPr lang="pl-PL" b="1" dirty="0"/>
+              <a:t>Solar system model - </a:t>
+            </a:r>
+            <a:r>
+              <a:rPr lang="pl-PL" b="1" dirty="0" err="1"/>
+              <a:t>features</a:t>
+            </a:r>
+            <a:endParaRPr lang="pl-PL" dirty="0"/>
+          </a:p>
+        </p:txBody>
+      </p:sp>
+      <p:sp>
+        <p:nvSpPr>
+          <p:cNvPr id="3" name="Content Placeholder 2">
+            <a:extLst>
+              <a:ext uri="{FF2B5EF4-FFF2-40B4-BE49-F238E27FC236}">
+                <a16:creationId xmlns:a16="http://schemas.microsoft.com/office/drawing/2014/main" id="{5C348B46-2637-834D-9CDA-239BF19391B0}"/>
+              </a:ext>
+            </a:extLst>
+          </p:cNvPr>
+          <p:cNvSpPr>
+            <a:spLocks noGrp="1"/>
+          </p:cNvSpPr>
+          <p:nvPr>
+            <p:ph idx="1"/>
+          </p:nvPr>
+        </p:nvSpPr>
+        <p:spPr/>
+        <p:txBody>
+          <a:bodyPr>
+            <a:normAutofit/>
+          </a:bodyPr>
           <a:lstStyle/>
           <a:p>
             <a:pPr>
@@ -4159,6 +5135,416 @@
               </a:lnSpc>
             </a:pPr>
             <a:r>
+              <a:rPr lang="pl-PL" sz="2400" dirty="0" err="1"/>
+              <a:t>Cartesian</a:t>
+            </a:r>
+            <a:r>
+              <a:rPr lang="pl-PL" sz="2400" dirty="0"/>
+              <a:t> </a:t>
+            </a:r>
+            <a:r>
+              <a:rPr lang="pl-PL" sz="2400" dirty="0" err="1"/>
+              <a:t>coordinate</a:t>
+            </a:r>
+            <a:r>
+              <a:rPr lang="pl-PL" sz="2400" dirty="0"/>
+              <a:t> system with Sun as </a:t>
+            </a:r>
+            <a:r>
+              <a:rPr lang="pl-PL" sz="2400" dirty="0" err="1"/>
+              <a:t>its</a:t>
+            </a:r>
+            <a:r>
+              <a:rPr lang="pl-PL" sz="2400" dirty="0"/>
+              <a:t> </a:t>
+            </a:r>
+            <a:r>
+              <a:rPr lang="pl-PL" sz="2400" dirty="0" err="1"/>
+              <a:t>origin</a:t>
+            </a:r>
+            <a:endParaRPr lang="pl-PL" sz="2400" dirty="0"/>
+          </a:p>
+          <a:p>
+            <a:pPr>
+              <a:lnSpc>
+                <a:spcPct val="150000"/>
+              </a:lnSpc>
+            </a:pPr>
+            <a:r>
+              <a:rPr lang="pl-PL" sz="2400" dirty="0"/>
+              <a:t>3D </a:t>
+            </a:r>
+            <a:r>
+              <a:rPr lang="pl-PL" sz="2400" dirty="0" err="1"/>
+              <a:t>location</a:t>
+            </a:r>
+            <a:r>
+              <a:rPr lang="pl-PL" sz="2400" dirty="0"/>
+              <a:t> </a:t>
+            </a:r>
+            <a:r>
+              <a:rPr lang="pl-PL" sz="2400" dirty="0" err="1"/>
+              <a:t>computations</a:t>
+            </a:r>
+            <a:r>
+              <a:rPr lang="pl-PL" sz="2400" dirty="0"/>
+              <a:t> and 2D </a:t>
+            </a:r>
+            <a:r>
+              <a:rPr lang="pl-PL" sz="2400" dirty="0" err="1"/>
+              <a:t>graphical</a:t>
+            </a:r>
+            <a:r>
+              <a:rPr lang="pl-PL" sz="2400" dirty="0"/>
+              <a:t> </a:t>
+            </a:r>
+            <a:r>
+              <a:rPr lang="pl-PL" sz="2400" dirty="0" err="1"/>
+              <a:t>interface</a:t>
+            </a:r>
+            <a:endParaRPr lang="pl-PL" sz="2400" dirty="0"/>
+          </a:p>
+          <a:p>
+            <a:pPr>
+              <a:lnSpc>
+                <a:spcPct val="150000"/>
+              </a:lnSpc>
+            </a:pPr>
+            <a:r>
+              <a:rPr lang="pl-PL" sz="2400" dirty="0"/>
+              <a:t>The model </a:t>
+            </a:r>
+            <a:r>
+              <a:rPr lang="pl-PL" sz="2400" dirty="0" err="1"/>
+              <a:t>launches</a:t>
+            </a:r>
+            <a:r>
+              <a:rPr lang="pl-PL" sz="2400" dirty="0"/>
+              <a:t> on &lt;</a:t>
+            </a:r>
+            <a:r>
+              <a:rPr lang="pl-PL" sz="2400" dirty="0" err="1"/>
+              <a:t>day</a:t>
+            </a:r>
+            <a:r>
+              <a:rPr lang="pl-PL" sz="2400" dirty="0"/>
+              <a:t>&gt; (NASA </a:t>
+            </a:r>
+            <a:r>
+              <a:rPr lang="pl-PL" sz="2400" dirty="0" err="1"/>
+              <a:t>provides</a:t>
+            </a:r>
+            <a:r>
+              <a:rPr lang="pl-PL" sz="2400" dirty="0"/>
+              <a:t> </a:t>
+            </a:r>
+            <a:r>
+              <a:rPr lang="pl-PL" sz="2400" dirty="0" err="1"/>
+              <a:t>coordiantes</a:t>
+            </a:r>
+            <a:r>
+              <a:rPr lang="pl-PL" sz="2400" dirty="0"/>
+              <a:t> for </a:t>
+            </a:r>
+            <a:r>
+              <a:rPr lang="pl-PL" sz="2400" dirty="0" err="1"/>
+              <a:t>each</a:t>
+            </a:r>
+            <a:r>
+              <a:rPr lang="pl-PL" sz="2400" dirty="0"/>
+              <a:t> body)</a:t>
+            </a:r>
+          </a:p>
+          <a:p>
+            <a:pPr>
+              <a:lnSpc>
+                <a:spcPct val="150000"/>
+              </a:lnSpc>
+            </a:pPr>
+            <a:r>
+              <a:rPr lang="pl-PL" sz="2400" dirty="0" err="1"/>
+              <a:t>Physics</a:t>
+            </a:r>
+            <a:r>
+              <a:rPr lang="pl-PL" sz="2400" dirty="0"/>
+              <a:t> </a:t>
+            </a:r>
+            <a:r>
+              <a:rPr lang="pl-PL" sz="2400" dirty="0" err="1"/>
+              <a:t>simplification</a:t>
+            </a:r>
+            <a:r>
+              <a:rPr lang="pl-PL" sz="2400" dirty="0"/>
+              <a:t> – </a:t>
+            </a:r>
+            <a:r>
+              <a:rPr lang="pl-PL" sz="2400" dirty="0" err="1"/>
+              <a:t>only</a:t>
+            </a:r>
+            <a:r>
+              <a:rPr lang="pl-PL" sz="2400" dirty="0"/>
+              <a:t> </a:t>
+            </a:r>
+            <a:r>
+              <a:rPr lang="pl-PL" sz="2400" dirty="0" err="1"/>
+              <a:t>gravitational</a:t>
+            </a:r>
+            <a:r>
+              <a:rPr lang="pl-PL" sz="2400" dirty="0"/>
+              <a:t> </a:t>
+            </a:r>
+            <a:r>
+              <a:rPr lang="pl-PL" sz="2400" dirty="0" err="1"/>
+              <a:t>forces</a:t>
+            </a:r>
+            <a:r>
+              <a:rPr lang="pl-PL" sz="2400" dirty="0"/>
+              <a:t> </a:t>
+            </a:r>
+            <a:r>
+              <a:rPr lang="pl-PL" sz="2400" dirty="0" err="1"/>
+              <a:t>are</a:t>
+            </a:r>
+            <a:r>
+              <a:rPr lang="pl-PL" sz="2400" dirty="0"/>
+              <a:t> </a:t>
+            </a:r>
+            <a:r>
+              <a:rPr lang="pl-PL" sz="2400" dirty="0" err="1"/>
+              <a:t>simulated</a:t>
+            </a:r>
+            <a:r>
+              <a:rPr lang="pl-PL" sz="2400" dirty="0"/>
+              <a:t>.</a:t>
+            </a:r>
+          </a:p>
+          <a:p>
+            <a:pPr>
+              <a:lnSpc>
+                <a:spcPct val="150000"/>
+              </a:lnSpc>
+            </a:pPr>
+            <a:r>
+              <a:rPr lang="pl-PL" sz="2400" dirty="0" err="1"/>
+              <a:t>After</a:t>
+            </a:r>
+            <a:r>
+              <a:rPr lang="pl-PL" sz="2400" dirty="0"/>
+              <a:t> </a:t>
+            </a:r>
+            <a:r>
+              <a:rPr lang="pl-PL" sz="2400" dirty="0" err="1"/>
+              <a:t>each</a:t>
+            </a:r>
+            <a:r>
+              <a:rPr lang="pl-PL" sz="2400" dirty="0"/>
+              <a:t> </a:t>
+            </a:r>
+            <a:r>
+              <a:rPr lang="pl-PL" sz="2400" dirty="0" err="1"/>
+              <a:t>time</a:t>
+            </a:r>
+            <a:r>
+              <a:rPr lang="pl-PL" sz="2400" dirty="0"/>
+              <a:t> step (</a:t>
+            </a:r>
+            <a:r>
+              <a:rPr lang="pl-PL" sz="2400" dirty="0" err="1"/>
+              <a:t>e.g</a:t>
+            </a:r>
+            <a:r>
+              <a:rPr lang="pl-PL" sz="2400" dirty="0"/>
+              <a:t>. 1hour) </a:t>
+            </a:r>
+            <a:r>
+              <a:rPr lang="pl-PL" sz="2400" dirty="0" err="1"/>
+              <a:t>all</a:t>
+            </a:r>
+            <a:r>
+              <a:rPr lang="pl-PL" sz="2400" dirty="0"/>
+              <a:t> the </a:t>
+            </a:r>
+            <a:r>
+              <a:rPr lang="pl-PL" sz="2400" dirty="0" err="1"/>
+              <a:t>parameters</a:t>
+            </a:r>
+            <a:r>
+              <a:rPr lang="pl-PL" sz="2400" dirty="0"/>
+              <a:t> </a:t>
+            </a:r>
+            <a:r>
+              <a:rPr lang="pl-PL" sz="2400" dirty="0" err="1"/>
+              <a:t>are</a:t>
+            </a:r>
+            <a:r>
+              <a:rPr lang="pl-PL" sz="2400" dirty="0"/>
+              <a:t> </a:t>
+            </a:r>
+            <a:r>
+              <a:rPr lang="pl-PL" sz="2400" dirty="0" err="1"/>
+              <a:t>computed</a:t>
+            </a:r>
+            <a:r>
+              <a:rPr lang="pl-PL" sz="2400" dirty="0"/>
+              <a:t> and </a:t>
+            </a:r>
+            <a:r>
+              <a:rPr lang="pl-PL" sz="2400" dirty="0" err="1"/>
+              <a:t>updated</a:t>
+            </a:r>
+            <a:r>
+              <a:rPr lang="pl-PL" sz="2400" dirty="0"/>
+              <a:t> in the </a:t>
+            </a:r>
+            <a:r>
+              <a:rPr lang="pl-PL" sz="2400" dirty="0" err="1"/>
+              <a:t>following</a:t>
+            </a:r>
+            <a:r>
+              <a:rPr lang="pl-PL" sz="2400" dirty="0"/>
+              <a:t> order: </a:t>
+            </a:r>
+            <a:r>
+              <a:rPr lang="pl-PL" sz="2400" dirty="0" err="1"/>
+              <a:t>gravitational</a:t>
+            </a:r>
+            <a:r>
+              <a:rPr lang="pl-PL" sz="2400" dirty="0"/>
+              <a:t> </a:t>
+            </a:r>
+            <a:r>
+              <a:rPr lang="pl-PL" sz="2400" dirty="0" err="1"/>
+              <a:t>forces</a:t>
+            </a:r>
+            <a:r>
+              <a:rPr lang="pl-PL" sz="2400" dirty="0"/>
+              <a:t>, </a:t>
+            </a:r>
+            <a:r>
+              <a:rPr lang="pl-PL" sz="2400" dirty="0" err="1"/>
+              <a:t>acceleration</a:t>
+            </a:r>
+            <a:r>
+              <a:rPr lang="pl-PL" sz="2400" dirty="0"/>
+              <a:t>, </a:t>
+            </a:r>
+            <a:r>
+              <a:rPr lang="pl-PL" sz="2400" dirty="0" err="1"/>
+              <a:t>velocity</a:t>
+            </a:r>
+            <a:r>
+              <a:rPr lang="pl-PL" sz="2400" dirty="0"/>
+              <a:t> and </a:t>
+            </a:r>
+            <a:r>
+              <a:rPr lang="pl-PL" sz="2400" dirty="0" err="1"/>
+              <a:t>location</a:t>
+            </a:r>
+            <a:r>
+              <a:rPr lang="pl-PL" sz="2400" dirty="0"/>
+              <a:t> </a:t>
+            </a:r>
+          </a:p>
+          <a:p>
+            <a:endParaRPr lang="pl-PL" dirty="0"/>
+          </a:p>
+        </p:txBody>
+      </p:sp>
+    </p:spTree>
+    <p:extLst>
+      <p:ext uri="{BB962C8B-B14F-4D97-AF65-F5344CB8AC3E}">
+        <p14:creationId xmlns:p14="http://schemas.microsoft.com/office/powerpoint/2010/main" val="27603581"/>
+      </p:ext>
+    </p:extLst>
+  </p:cSld>
+  <p:clrMapOvr>
+    <a:masterClrMapping/>
+  </p:clrMapOvr>
+</p:sld>
+</file>
+
+<file path=ppt/slides/slide6.xml><?xml version="1.0" encoding="utf-8"?>
+<p:sld xmlns:a="http://schemas.openxmlformats.org/drawingml/2006/main" xmlns:r="http://schemas.openxmlformats.org/officeDocument/2006/relationships" xmlns:p="http://schemas.openxmlformats.org/presentationml/2006/main">
+  <p:cSld>
+    <p:spTree>
+      <p:nvGrpSpPr>
+        <p:cNvPr id="1" name=""/>
+        <p:cNvGrpSpPr/>
+        <p:nvPr/>
+      </p:nvGrpSpPr>
+      <p:grpSpPr>
+        <a:xfrm>
+          <a:off x="0" y="0"/>
+          <a:ext cx="0" cy="0"/>
+          <a:chOff x="0" y="0"/>
+          <a:chExt cx="0" cy="0"/>
+        </a:xfrm>
+      </p:grpSpPr>
+      <p:sp>
+        <p:nvSpPr>
+          <p:cNvPr id="2" name="Title 1">
+            <a:extLst>
+              <a:ext uri="{FF2B5EF4-FFF2-40B4-BE49-F238E27FC236}">
+                <a16:creationId xmlns:a16="http://schemas.microsoft.com/office/drawing/2014/main" id="{71E0E08A-4B88-5643-9563-151A833F7E78}"/>
+              </a:ext>
+            </a:extLst>
+          </p:cNvPr>
+          <p:cNvSpPr>
+            <a:spLocks noGrp="1"/>
+          </p:cNvSpPr>
+          <p:nvPr>
+            <p:ph type="title"/>
+          </p:nvPr>
+        </p:nvSpPr>
+        <p:spPr/>
+        <p:txBody>
+          <a:bodyPr/>
+          <a:lstStyle/>
+          <a:p>
+            <a:pPr algn="ctr"/>
+            <a:r>
+              <a:rPr lang="pl-PL" b="1" dirty="0" err="1"/>
+              <a:t>Probe</a:t>
+            </a:r>
+            <a:r>
+              <a:rPr lang="pl-PL" b="1" dirty="0"/>
+              <a:t> </a:t>
+            </a:r>
+            <a:r>
+              <a:rPr lang="pl-PL" b="1" dirty="0" err="1"/>
+              <a:t>trajectory</a:t>
+            </a:r>
+            <a:endParaRPr lang="pl-PL" b="1" dirty="0"/>
+          </a:p>
+        </p:txBody>
+      </p:sp>
+      <p:sp>
+        <p:nvSpPr>
+          <p:cNvPr id="3" name="Content Placeholder 2">
+            <a:extLst>
+              <a:ext uri="{FF2B5EF4-FFF2-40B4-BE49-F238E27FC236}">
+                <a16:creationId xmlns:a16="http://schemas.microsoft.com/office/drawing/2014/main" id="{068B5AE3-E177-3747-8A18-2AB24780E7F3}"/>
+              </a:ext>
+            </a:extLst>
+          </p:cNvPr>
+          <p:cNvSpPr>
+            <a:spLocks noGrp="1"/>
+          </p:cNvSpPr>
+          <p:nvPr>
+            <p:ph idx="1"/>
+          </p:nvPr>
+        </p:nvSpPr>
+        <p:spPr/>
+        <p:txBody>
+          <a:bodyPr/>
+          <a:lstStyle/>
+          <a:p>
+            <a:pPr>
+              <a:lnSpc>
+                <a:spcPct val="150000"/>
+              </a:lnSpc>
+            </a:pPr>
+            <a:r>
               <a:rPr lang="pl-PL" dirty="0"/>
               <a:t>”</a:t>
             </a:r>
@@ -4192,7 +5578,7 @@
             </a:r>
             <a:r>
               <a:rPr lang="pl-PL" dirty="0"/>
-              <a:t>)</a:t>
+              <a:t>).</a:t>
             </a:r>
           </a:p>
           <a:p>
@@ -4322,7 +5708,7 @@
 </p:sld>
 </file>
 
-<file path=ppt/slides/slide5.xml><?xml version="1.0" encoding="utf-8"?>
+<file path=ppt/slides/slide7.xml><?xml version="1.0" encoding="utf-8"?>
 <p:sld xmlns:a="http://schemas.openxmlformats.org/drawingml/2006/main" xmlns:r="http://schemas.openxmlformats.org/officeDocument/2006/relationships" xmlns:p="http://schemas.openxmlformats.org/presentationml/2006/main">
   <p:cSld>
     <p:spTree>
